--- a/images/docker_single_machine.pptx
+++ b/images/docker_single_machine.pptx
@@ -104,6 +104,11 @@
       </a:defRPr>
     </a:lvl9pPr>
   </p:defaultTextStyle>
+  <p:extLst>
+    <p:ext uri="{EFAFB233-063F-42B5-8137-9DF3F51BA10A}">
+      <p15:sldGuideLst xmlns:p15="http://schemas.microsoft.com/office/powerpoint/2012/main"/>
+    </p:ext>
+  </p:extLst>
 </p:presentation>
 </file>
 
@@ -5212,8 +5217,8 @@
         </p:nvCxnSpPr>
         <p:spPr>
           <a:xfrm flipH="1" flipV="1">
-            <a:off x="4728492" y="5333309"/>
-            <a:ext cx="5579200" cy="453805"/>
+            <a:off x="1556446" y="5299701"/>
+            <a:ext cx="8751246" cy="487413"/>
           </a:xfrm>
           <a:prstGeom prst="line">
             <a:avLst/>

--- a/images/docker_single_machine.pptx
+++ b/images/docker_single_machine.pptx
@@ -6015,288 +6015,6 @@
           </p:txBody>
         </p:sp>
       </p:grpSp>
-      <p:grpSp>
-        <p:nvGrpSpPr>
-          <p:cNvPr id="206" name="Group 205">
-            <a:extLst>
-              <a:ext uri="{FF2B5EF4-FFF2-40B4-BE49-F238E27FC236}">
-                <a16:creationId xmlns:a16="http://schemas.microsoft.com/office/drawing/2014/main" id="{5105804E-567F-47B9-9AAE-2DE129637234}"/>
-              </a:ext>
-            </a:extLst>
-          </p:cNvPr>
-          <p:cNvGrpSpPr/>
-          <p:nvPr/>
-        </p:nvGrpSpPr>
-        <p:grpSpPr>
-          <a:xfrm>
-            <a:off x="4395425" y="2929850"/>
-            <a:ext cx="333067" cy="217063"/>
-            <a:chOff x="4395425" y="2929850"/>
-            <a:chExt cx="333067" cy="217063"/>
-          </a:xfrm>
-        </p:grpSpPr>
-        <p:cxnSp>
-          <p:nvCxnSpPr>
-            <p:cNvPr id="203" name="Straight Connector 202">
-              <a:extLst>
-                <a:ext uri="{FF2B5EF4-FFF2-40B4-BE49-F238E27FC236}">
-                  <a16:creationId xmlns:a16="http://schemas.microsoft.com/office/drawing/2014/main" id="{602B974C-DE78-4117-BDE7-26ED200D6BEC}"/>
-                </a:ext>
-              </a:extLst>
-            </p:cNvPr>
-            <p:cNvCxnSpPr>
-              <a:cxnSpLocks/>
-            </p:cNvCxnSpPr>
-            <p:nvPr/>
-          </p:nvCxnSpPr>
-          <p:spPr>
-            <a:xfrm>
-              <a:off x="4395425" y="3146913"/>
-              <a:ext cx="333067" cy="0"/>
-            </a:xfrm>
-            <a:prstGeom prst="line">
-              <a:avLst/>
-            </a:prstGeom>
-            <a:ln w="19050"/>
-          </p:spPr>
-          <p:style>
-            <a:lnRef idx="1">
-              <a:schemeClr val="accent4"/>
-            </a:lnRef>
-            <a:fillRef idx="0">
-              <a:schemeClr val="accent4"/>
-            </a:fillRef>
-            <a:effectRef idx="0">
-              <a:schemeClr val="accent4"/>
-            </a:effectRef>
-            <a:fontRef idx="minor">
-              <a:schemeClr val="tx1"/>
-            </a:fontRef>
-          </p:style>
-        </p:cxnSp>
-        <p:cxnSp>
-          <p:nvCxnSpPr>
-            <p:cNvPr id="205" name="Straight Connector 204">
-              <a:extLst>
-                <a:ext uri="{FF2B5EF4-FFF2-40B4-BE49-F238E27FC236}">
-                  <a16:creationId xmlns:a16="http://schemas.microsoft.com/office/drawing/2014/main" id="{5CBD8151-C159-4E0D-9BA0-F85A9C43044D}"/>
-                </a:ext>
-              </a:extLst>
-            </p:cNvPr>
-            <p:cNvCxnSpPr>
-              <a:cxnSpLocks/>
-            </p:cNvCxnSpPr>
-            <p:nvPr/>
-          </p:nvCxnSpPr>
-          <p:spPr>
-            <a:xfrm>
-              <a:off x="4395425" y="2929850"/>
-              <a:ext cx="333067" cy="0"/>
-            </a:xfrm>
-            <a:prstGeom prst="line">
-              <a:avLst/>
-            </a:prstGeom>
-            <a:ln w="19050"/>
-          </p:spPr>
-          <p:style>
-            <a:lnRef idx="1">
-              <a:schemeClr val="accent4"/>
-            </a:lnRef>
-            <a:fillRef idx="0">
-              <a:schemeClr val="accent4"/>
-            </a:fillRef>
-            <a:effectRef idx="0">
-              <a:schemeClr val="accent4"/>
-            </a:effectRef>
-            <a:fontRef idx="minor">
-              <a:schemeClr val="tx1"/>
-            </a:fontRef>
-          </p:style>
-        </p:cxnSp>
-      </p:grpSp>
-      <p:grpSp>
-        <p:nvGrpSpPr>
-          <p:cNvPr id="207" name="Group 206">
-            <a:extLst>
-              <a:ext uri="{FF2B5EF4-FFF2-40B4-BE49-F238E27FC236}">
-                <a16:creationId xmlns:a16="http://schemas.microsoft.com/office/drawing/2014/main" id="{CE3E5F8C-113F-457D-8F92-675B30EA3B5D}"/>
-              </a:ext>
-            </a:extLst>
-          </p:cNvPr>
-          <p:cNvGrpSpPr/>
-          <p:nvPr/>
-        </p:nvGrpSpPr>
-        <p:grpSpPr>
-          <a:xfrm>
-            <a:off x="7241506" y="2929850"/>
-            <a:ext cx="333067" cy="217063"/>
-            <a:chOff x="4395425" y="2929850"/>
-            <a:chExt cx="333067" cy="217063"/>
-          </a:xfrm>
-        </p:grpSpPr>
-        <p:cxnSp>
-          <p:nvCxnSpPr>
-            <p:cNvPr id="208" name="Straight Connector 207">
-              <a:extLst>
-                <a:ext uri="{FF2B5EF4-FFF2-40B4-BE49-F238E27FC236}">
-                  <a16:creationId xmlns:a16="http://schemas.microsoft.com/office/drawing/2014/main" id="{6A8491F5-77F8-4B84-B119-37CB07D14E65}"/>
-                </a:ext>
-              </a:extLst>
-            </p:cNvPr>
-            <p:cNvCxnSpPr>
-              <a:cxnSpLocks/>
-            </p:cNvCxnSpPr>
-            <p:nvPr/>
-          </p:nvCxnSpPr>
-          <p:spPr>
-            <a:xfrm>
-              <a:off x="4395425" y="3146913"/>
-              <a:ext cx="333067" cy="0"/>
-            </a:xfrm>
-            <a:prstGeom prst="line">
-              <a:avLst/>
-            </a:prstGeom>
-            <a:ln w="19050"/>
-          </p:spPr>
-          <p:style>
-            <a:lnRef idx="1">
-              <a:schemeClr val="accent4"/>
-            </a:lnRef>
-            <a:fillRef idx="0">
-              <a:schemeClr val="accent4"/>
-            </a:fillRef>
-            <a:effectRef idx="0">
-              <a:schemeClr val="accent4"/>
-            </a:effectRef>
-            <a:fontRef idx="minor">
-              <a:schemeClr val="tx1"/>
-            </a:fontRef>
-          </p:style>
-        </p:cxnSp>
-        <p:cxnSp>
-          <p:nvCxnSpPr>
-            <p:cNvPr id="209" name="Straight Connector 208">
-              <a:extLst>
-                <a:ext uri="{FF2B5EF4-FFF2-40B4-BE49-F238E27FC236}">
-                  <a16:creationId xmlns:a16="http://schemas.microsoft.com/office/drawing/2014/main" id="{87A8CF4F-B37B-4E26-9729-76ED48C2E9FE}"/>
-                </a:ext>
-              </a:extLst>
-            </p:cNvPr>
-            <p:cNvCxnSpPr>
-              <a:cxnSpLocks/>
-            </p:cNvCxnSpPr>
-            <p:nvPr/>
-          </p:nvCxnSpPr>
-          <p:spPr>
-            <a:xfrm>
-              <a:off x="4395425" y="2929850"/>
-              <a:ext cx="333067" cy="0"/>
-            </a:xfrm>
-            <a:prstGeom prst="line">
-              <a:avLst/>
-            </a:prstGeom>
-            <a:ln w="19050"/>
-          </p:spPr>
-          <p:style>
-            <a:lnRef idx="1">
-              <a:schemeClr val="accent4"/>
-            </a:lnRef>
-            <a:fillRef idx="0">
-              <a:schemeClr val="accent4"/>
-            </a:fillRef>
-            <a:effectRef idx="0">
-              <a:schemeClr val="accent4"/>
-            </a:effectRef>
-            <a:fontRef idx="minor">
-              <a:schemeClr val="tx1"/>
-            </a:fontRef>
-          </p:style>
-        </p:cxnSp>
-      </p:grpSp>
-      <p:sp>
-        <p:nvSpPr>
-          <p:cNvPr id="210" name="TextBox 209">
-            <a:extLst>
-              <a:ext uri="{FF2B5EF4-FFF2-40B4-BE49-F238E27FC236}">
-                <a16:creationId xmlns:a16="http://schemas.microsoft.com/office/drawing/2014/main" id="{1D64B4E8-2634-4175-9B5E-CD858466D038}"/>
-              </a:ext>
-            </a:extLst>
-          </p:cNvPr>
-          <p:cNvSpPr txBox="1"/>
-          <p:nvPr/>
-        </p:nvSpPr>
-        <p:spPr>
-          <a:xfrm>
-            <a:off x="4500108" y="2654310"/>
-            <a:ext cx="450387" cy="276999"/>
-          </a:xfrm>
-          <a:prstGeom prst="rect">
-            <a:avLst/>
-          </a:prstGeom>
-          <a:noFill/>
-        </p:spPr>
-        <p:txBody>
-          <a:bodyPr wrap="square" rtlCol="0">
-            <a:spAutoFit/>
-          </a:bodyPr>
-          <a:lstStyle/>
-          <a:p>
-            <a:r>
-              <a:rPr lang="en-GB" sz="1200" dirty="0">
-                <a:solidFill>
-                  <a:schemeClr val="accent4">
-                    <a:lumMod val="40000"/>
-                    <a:lumOff val="60000"/>
-                  </a:schemeClr>
-                </a:solidFill>
-              </a:rPr>
-              <a:t>port</a:t>
-            </a:r>
-          </a:p>
-        </p:txBody>
-      </p:sp>
-      <p:sp>
-        <p:nvSpPr>
-          <p:cNvPr id="211" name="TextBox 210">
-            <a:extLst>
-              <a:ext uri="{FF2B5EF4-FFF2-40B4-BE49-F238E27FC236}">
-                <a16:creationId xmlns:a16="http://schemas.microsoft.com/office/drawing/2014/main" id="{36B1D31B-523F-4C24-8E56-A04555E8EE6F}"/>
-              </a:ext>
-            </a:extLst>
-          </p:cNvPr>
-          <p:cNvSpPr txBox="1"/>
-          <p:nvPr/>
-        </p:nvSpPr>
-        <p:spPr>
-          <a:xfrm>
-            <a:off x="7020036" y="2615998"/>
-            <a:ext cx="450387" cy="276999"/>
-          </a:xfrm>
-          <a:prstGeom prst="rect">
-            <a:avLst/>
-          </a:prstGeom>
-          <a:noFill/>
-        </p:spPr>
-        <p:txBody>
-          <a:bodyPr wrap="square" rtlCol="0">
-            <a:spAutoFit/>
-          </a:bodyPr>
-          <a:lstStyle/>
-          <a:p>
-            <a:r>
-              <a:rPr lang="en-GB" sz="1200" dirty="0">
-                <a:solidFill>
-                  <a:schemeClr val="accent4">
-                    <a:lumMod val="40000"/>
-                    <a:lumOff val="60000"/>
-                  </a:schemeClr>
-                </a:solidFill>
-              </a:rPr>
-              <a:t>port</a:t>
-            </a:r>
-          </a:p>
-        </p:txBody>
-      </p:sp>
     </p:spTree>
     <p:extLst>
       <p:ext uri="{BB962C8B-B14F-4D97-AF65-F5344CB8AC3E}">
